--- a/SussmanCourse.ProbProgPresentation.pptx
+++ b/SussmanCourse.ProbProgPresentation.pptx
@@ -10,10 +10,10 @@
     <p:sldId id="262" r:id="rId4"/>
     <p:sldId id="260" r:id="rId5"/>
     <p:sldId id="266" r:id="rId6"/>
-    <p:sldId id="263" r:id="rId7"/>
-    <p:sldId id="264" r:id="rId8"/>
-    <p:sldId id="265" r:id="rId9"/>
-    <p:sldId id="267" r:id="rId10"/>
+    <p:sldId id="269" r:id="rId7"/>
+    <p:sldId id="270" r:id="rId8"/>
+    <p:sldId id="271" r:id="rId9"/>
+    <p:sldId id="272" r:id="rId10"/>
   </p:sldIdLst>
   <p:sldSz cx="9144000" cy="6858000" type="screen4x3"/>
   <p:notesSz cx="6858000" cy="9144000"/>
@@ -3142,8 +3142,20 @@
           <a:lstStyle/>
           <a:p>
             <a:r>
+              <a:rPr lang="en-US" dirty="0" err="1" smtClean="0"/>
+              <a:t>Eyal</a:t>
+            </a:r>
+            <a:r>
               <a:rPr lang="en-US" dirty="0" smtClean="0"/>
-              <a:t>Matt Johnson &amp; Eyal Dechter</a:t>
+              <a:t> </a:t>
+            </a:r>
+            <a:r>
+              <a:rPr lang="en-US" dirty="0" err="1" smtClean="0"/>
+              <a:t>Dechter</a:t>
+            </a:r>
+            <a:r>
+              <a:rPr lang="en-US" dirty="0" smtClean="0"/>
+              <a:t> &amp; Matt Johnson</a:t>
             </a:r>
             <a:endParaRPr lang="en-US" dirty="0"/>
           </a:p>
@@ -4077,7 +4089,7 @@
         </p:nvSpPr>
         <p:spPr bwMode="auto">
           <a:xfrm>
-            <a:off x="228600" y="6329606"/>
+            <a:off x="228600" y="6469176"/>
             <a:ext cx="7391400" cy="400050"/>
           </a:xfrm>
           <a:prstGeom prst="rect">
@@ -4724,22 +4736,28 @@
       </p:sp>
       <p:pic>
         <p:nvPicPr>
-          <p:cNvPr id="4" name="Picture 3"/>
+          <p:cNvPr id="3" name="Picture 2" descr="Screenshot_5_8_13_6_50_AM-2.png"/>
           <p:cNvPicPr>
             <a:picLocks noChangeAspect="1"/>
           </p:cNvPicPr>
           <p:nvPr/>
         </p:nvPicPr>
         <p:blipFill>
-          <a:blip r:embed="rId2"/>
+          <a:blip r:embed="rId2">
+            <a:extLst>
+              <a:ext uri="{28A0092B-C50C-407E-A947-70E740481C1C}">
+                <a14:useLocalDpi xmlns:a14="http://schemas.microsoft.com/office/drawing/2010/main" val="0"/>
+              </a:ext>
+            </a:extLst>
+          </a:blip>
           <a:stretch>
             <a:fillRect/>
           </a:stretch>
         </p:blipFill>
         <p:spPr>
           <a:xfrm>
-            <a:off x="139700" y="2214714"/>
-            <a:ext cx="8851900" cy="2108200"/>
+            <a:off x="0" y="1315869"/>
+            <a:ext cx="9144000" cy="5542131"/>
           </a:xfrm>
           <a:prstGeom prst="rect">
             <a:avLst/>
@@ -4793,83 +4811,22 @@
           <a:p>
             <a:r>
               <a:rPr lang="en-US" dirty="0" smtClean="0"/>
-              <a:t>Our Approach</a:t>
+              <a:t>Code + Demo</a:t>
             </a:r>
             <a:endParaRPr lang="en-US" dirty="0"/>
           </a:p>
         </p:txBody>
       </p:sp>
-      <p:sp>
-        <p:nvSpPr>
-          <p:cNvPr id="5" name="TextBox 4"/>
-          <p:cNvSpPr txBox="1"/>
-          <p:nvPr/>
-        </p:nvSpPr>
-        <p:spPr>
-          <a:xfrm>
-            <a:off x="1006784" y="1249143"/>
-            <a:ext cx="5899797" cy="369332"/>
-          </a:xfrm>
-          <a:prstGeom prst="rect">
-            <a:avLst/>
-          </a:prstGeom>
-          <a:noFill/>
-        </p:spPr>
-        <p:txBody>
-          <a:bodyPr wrap="none" rtlCol="0">
-            <a:spAutoFit/>
-          </a:bodyPr>
-          <a:lstStyle/>
-          <a:p>
-            <a:r>
-              <a:rPr lang="en-US" dirty="0" smtClean="0"/>
-              <a:t>Metropolis-Hastings over program traces with continuations. </a:t>
-            </a:r>
-            <a:endParaRPr lang="en-US" dirty="0"/>
-          </a:p>
-        </p:txBody>
-      </p:sp>
-      <p:pic>
-        <p:nvPicPr>
-          <p:cNvPr id="6" name="Picture 5"/>
-          <p:cNvPicPr>
-            <a:picLocks noChangeAspect="1"/>
-          </p:cNvPicPr>
-          <p:nvPr/>
-        </p:nvPicPr>
-        <p:blipFill>
-          <a:blip r:embed="rId2"/>
-          <a:stretch>
-            <a:fillRect/>
-          </a:stretch>
-        </p:blipFill>
-        <p:spPr>
-          <a:xfrm>
-            <a:off x="0" y="2038648"/>
-            <a:ext cx="9144000" cy="3333095"/>
-          </a:xfrm>
-          <a:prstGeom prst="rect">
-            <a:avLst/>
-          </a:prstGeom>
-        </p:spPr>
-      </p:pic>
     </p:spTree>
     <p:extLst>
       <p:ext uri="{BB962C8B-B14F-4D97-AF65-F5344CB8AC3E}">
-        <p14:creationId xmlns:p14="http://schemas.microsoft.com/office/powerpoint/2010/main" val="1655566422"/>
+        <p14:creationId xmlns:p14="http://schemas.microsoft.com/office/powerpoint/2010/main" val="4209892802"/>
       </p:ext>
     </p:extLst>
   </p:cSld>
   <p:clrMapOvr>
     <a:masterClrMapping/>
   </p:clrMapOvr>
-  <p:timing>
-    <p:tnLst>
-      <p:par>
-        <p:cTn xmlns:p14="http://schemas.microsoft.com/office/powerpoint/2010/main" id="1" dur="indefinite" restart="never" nodeType="tmRoot"/>
-      </p:par>
-    </p:tnLst>
-  </p:timing>
 </p:sld>
 </file>
 
@@ -4902,88 +4859,105 @@
         </p:nvSpPr>
         <p:spPr/>
         <p:txBody>
-          <a:bodyPr/>
+          <a:bodyPr>
+            <a:normAutofit/>
+          </a:bodyPr>
           <a:lstStyle/>
           <a:p>
             <a:r>
               <a:rPr lang="en-US" dirty="0" smtClean="0"/>
-              <a:t>Our Approach</a:t>
+              <a:t>Extending to Exploit Structure</a:t>
             </a:r>
             <a:endParaRPr lang="en-US" dirty="0"/>
           </a:p>
         </p:txBody>
       </p:sp>
-      <p:pic>
-        <p:nvPicPr>
-          <p:cNvPr id="4" name="Picture 3"/>
-          <p:cNvPicPr>
-            <a:picLocks noChangeAspect="1"/>
-          </p:cNvPicPr>
-          <p:nvPr/>
-        </p:nvPicPr>
-        <p:blipFill>
-          <a:blip r:embed="rId2"/>
-          <a:stretch>
-            <a:fillRect/>
-          </a:stretch>
-        </p:blipFill>
-        <p:spPr>
-          <a:xfrm>
-            <a:off x="0" y="1981200"/>
-            <a:ext cx="9144000" cy="2891692"/>
-          </a:xfrm>
-          <a:prstGeom prst="rect">
-            <a:avLst/>
-          </a:prstGeom>
-        </p:spPr>
-      </p:pic>
-      <p:sp>
-        <p:nvSpPr>
-          <p:cNvPr id="5" name="TextBox 4"/>
-          <p:cNvSpPr txBox="1"/>
-          <p:nvPr/>
-        </p:nvSpPr>
-        <p:spPr>
-          <a:xfrm>
-            <a:off x="743648" y="1433809"/>
-            <a:ext cx="5899797" cy="369332"/>
-          </a:xfrm>
-          <a:prstGeom prst="rect">
-            <a:avLst/>
-          </a:prstGeom>
-          <a:noFill/>
-        </p:spPr>
-        <p:txBody>
-          <a:bodyPr wrap="none" rtlCol="0">
-            <a:spAutoFit/>
-          </a:bodyPr>
+      <p:sp>
+        <p:nvSpPr>
+          <p:cNvPr id="3" name="Content Placeholder 2"/>
+          <p:cNvSpPr>
+            <a:spLocks noGrp="1"/>
+          </p:cNvSpPr>
+          <p:nvPr>
+            <p:ph idx="1"/>
+          </p:nvPr>
+        </p:nvSpPr>
+        <p:spPr/>
+        <p:txBody>
+          <a:bodyPr/>
           <a:lstStyle/>
           <a:p>
             <a:r>
               <a:rPr lang="en-US" dirty="0" smtClean="0"/>
-              <a:t>Metropolis-Hastings over program traces with continuations. </a:t>
-            </a:r>
-            <a:endParaRPr lang="en-US" dirty="0"/>
+              <a:t>Big idea: </a:t>
+            </a:r>
+            <a:r>
+              <a:rPr lang="en-US" b="1" dirty="0" smtClean="0"/>
+              <a:t>lazy</a:t>
+            </a:r>
+            <a:r>
+              <a:rPr lang="en-US" dirty="0" smtClean="0"/>
+              <a:t> sampling and </a:t>
+            </a:r>
+            <a:r>
+              <a:rPr lang="en-US" b="1" dirty="0" smtClean="0"/>
+              <a:t>generic operators</a:t>
+            </a:r>
+            <a:endParaRPr lang="en-US" dirty="0" smtClean="0"/>
+          </a:p>
+          <a:p>
+            <a:pPr lvl="1"/>
+            <a:r>
+              <a:rPr lang="en-US" dirty="0" smtClean="0"/>
+              <a:t>Box random values</a:t>
+            </a:r>
+          </a:p>
+          <a:p>
+            <a:pPr lvl="1"/>
+            <a:r>
+              <a:rPr lang="en-US" dirty="0" smtClean="0"/>
+              <a:t>Ex.: for Gaussians, extend + and * to prevent </a:t>
+            </a:r>
+            <a:r>
+              <a:rPr lang="en-US" b="1" dirty="0" smtClean="0"/>
+              <a:t>sample collapse</a:t>
+            </a:r>
+            <a:endParaRPr lang="en-US" dirty="0" smtClean="0"/>
+          </a:p>
+          <a:p>
+            <a:pPr lvl="1"/>
+            <a:r>
+              <a:rPr lang="en-US" dirty="0" smtClean="0"/>
+              <a:t>API to add inference for </a:t>
+            </a:r>
+            <a:r>
+              <a:rPr lang="en-US" dirty="0" err="1" smtClean="0"/>
+              <a:t>uncollapsed</a:t>
+            </a:r>
+            <a:r>
+              <a:rPr lang="en-US" dirty="0" smtClean="0"/>
+              <a:t> distributions</a:t>
+            </a:r>
+          </a:p>
+          <a:p>
+            <a:pPr lvl="1"/>
+            <a:r>
+              <a:rPr lang="en-US" dirty="0" smtClean="0"/>
+              <a:t>Collapsed samples fall back to MH</a:t>
+            </a:r>
           </a:p>
         </p:txBody>
       </p:sp>
     </p:spTree>
     <p:extLst>
       <p:ext uri="{BB962C8B-B14F-4D97-AF65-F5344CB8AC3E}">
-        <p14:creationId xmlns:p14="http://schemas.microsoft.com/office/powerpoint/2010/main" val="1730560035"/>
+        <p14:creationId xmlns:p14="http://schemas.microsoft.com/office/powerpoint/2010/main" val="2869868709"/>
       </p:ext>
     </p:extLst>
   </p:cSld>
   <p:clrMapOvr>
     <a:masterClrMapping/>
   </p:clrMapOvr>
-  <p:timing>
-    <p:tnLst>
-      <p:par>
-        <p:cTn xmlns:p14="http://schemas.microsoft.com/office/powerpoint/2010/main" id="1" dur="indefinite" restart="never" nodeType="tmRoot"/>
-      </p:par>
-    </p:tnLst>
-  </p:timing>
 </p:sld>
 </file>
 
@@ -5021,37 +4995,7 @@
           <a:p>
             <a:r>
               <a:rPr lang="en-US" dirty="0" smtClean="0"/>
-              <a:t>Our Approach</a:t>
-            </a:r>
-            <a:endParaRPr lang="en-US" dirty="0"/>
-          </a:p>
-        </p:txBody>
-      </p:sp>
-      <p:sp>
-        <p:nvSpPr>
-          <p:cNvPr id="4" name="TextBox 3"/>
-          <p:cNvSpPr txBox="1"/>
-          <p:nvPr/>
-        </p:nvSpPr>
-        <p:spPr>
-          <a:xfrm>
-            <a:off x="766529" y="1417638"/>
-            <a:ext cx="4836142" cy="369332"/>
-          </a:xfrm>
-          <a:prstGeom prst="rect">
-            <a:avLst/>
-          </a:prstGeom>
-          <a:noFill/>
-        </p:spPr>
-        <p:txBody>
-          <a:bodyPr wrap="none" rtlCol="0">
-            <a:spAutoFit/>
-          </a:bodyPr>
-          <a:lstStyle/>
-          <a:p>
-            <a:r>
-              <a:rPr lang="en-US" dirty="0" smtClean="0"/>
-              <a:t>Maintaining joint distributions in the background. </a:t>
+              <a:t>API</a:t>
             </a:r>
             <a:endParaRPr lang="en-US" dirty="0"/>
           </a:p>
@@ -5059,22 +5003,28 @@
       </p:sp>
       <p:pic>
         <p:nvPicPr>
-          <p:cNvPr id="6" name="Picture 5"/>
+          <p:cNvPr id="6" name="Picture 5" descr="Screen Shot 2013-05-08 at 7.06.04 AM.png"/>
           <p:cNvPicPr>
             <a:picLocks noChangeAspect="1"/>
           </p:cNvPicPr>
           <p:nvPr/>
         </p:nvPicPr>
         <p:blipFill>
-          <a:blip r:embed="rId2"/>
+          <a:blip r:embed="rId2">
+            <a:extLst>
+              <a:ext uri="{28A0092B-C50C-407E-A947-70E740481C1C}">
+                <a14:useLocalDpi xmlns:a14="http://schemas.microsoft.com/office/drawing/2010/main" val="0"/>
+              </a:ext>
+            </a:extLst>
+          </a:blip>
           <a:stretch>
             <a:fillRect/>
           </a:stretch>
         </p:blipFill>
         <p:spPr>
           <a:xfrm>
-            <a:off x="548728" y="1783509"/>
-            <a:ext cx="7684497" cy="3687675"/>
+            <a:off x="231054" y="1730637"/>
+            <a:ext cx="8681892" cy="2735524"/>
           </a:xfrm>
           <a:prstGeom prst="rect">
             <a:avLst/>
@@ -5084,7 +5034,7 @@
     </p:spTree>
     <p:extLst>
       <p:ext uri="{BB962C8B-B14F-4D97-AF65-F5344CB8AC3E}">
-        <p14:creationId xmlns:p14="http://schemas.microsoft.com/office/powerpoint/2010/main" val="167270158"/>
+        <p14:creationId xmlns:p14="http://schemas.microsoft.com/office/powerpoint/2010/main" val="3976213666"/>
       </p:ext>
     </p:extLst>
   </p:cSld>
@@ -5126,7 +5076,11 @@
           <a:bodyPr/>
           <a:lstStyle/>
           <a:p>
-            <a:endParaRPr lang="en-US"/>
+            <a:r>
+              <a:rPr lang="en-US" dirty="0" smtClean="0"/>
+              <a:t>Summary</a:t>
+            </a:r>
+            <a:endParaRPr lang="en-US" dirty="0"/>
           </a:p>
         </p:txBody>
       </p:sp>
@@ -5145,14 +5099,90 @@
           <a:bodyPr/>
           <a:lstStyle/>
           <a:p>
-            <a:endParaRPr lang="en-US"/>
-          </a:p>
-        </p:txBody>
-      </p:sp>
+            <a:r>
+              <a:rPr lang="en-US" dirty="0" smtClean="0"/>
+              <a:t>Probabilistic programming without specialized interpreter</a:t>
+            </a:r>
+          </a:p>
+          <a:p>
+            <a:pPr lvl="1"/>
+            <a:r>
+              <a:rPr lang="en-US" dirty="0" smtClean="0"/>
+              <a:t>MH system in a few dozen lines</a:t>
+            </a:r>
+          </a:p>
+          <a:p>
+            <a:pPr lvl="1"/>
+            <a:r>
+              <a:rPr lang="en-US" dirty="0" smtClean="0"/>
+              <a:t>User writes regular Scheme code</a:t>
+            </a:r>
+          </a:p>
+          <a:p>
+            <a:pPr lvl="1"/>
+            <a:r>
+              <a:rPr lang="en-US" dirty="0" smtClean="0"/>
+              <a:t>Fully </a:t>
+            </a:r>
+            <a:r>
+              <a:rPr lang="en-US" dirty="0" err="1" smtClean="0"/>
+              <a:t>compilable</a:t>
+            </a:r>
+            <a:r>
+              <a:rPr lang="en-US" dirty="0" smtClean="0"/>
+              <a:t> (incl. user code)</a:t>
+            </a:r>
+          </a:p>
+          <a:p>
+            <a:r>
+              <a:rPr lang="en-US" dirty="0" smtClean="0"/>
+              <a:t>Extensible abstractions</a:t>
+            </a:r>
+          </a:p>
+          <a:p>
+            <a:pPr lvl="1"/>
+            <a:r>
+              <a:rPr lang="en-US" dirty="0" smtClean="0"/>
+              <a:t>MH fallback</a:t>
+            </a:r>
+            <a:endParaRPr lang="en-US" dirty="0"/>
+          </a:p>
+        </p:txBody>
+      </p:sp>
+      <p:pic>
+        <p:nvPicPr>
+          <p:cNvPr id="4" name="Picture 3" descr="forkme_right_red_aa0000.png"/>
+          <p:cNvPicPr>
+            <a:picLocks noChangeAspect="1"/>
+          </p:cNvPicPr>
+          <p:nvPr/>
+        </p:nvPicPr>
+        <p:blipFill>
+          <a:blip r:embed="rId2">
+            <a:extLst>
+              <a:ext uri="{28A0092B-C50C-407E-A947-70E740481C1C}">
+                <a14:useLocalDpi xmlns:a14="http://schemas.microsoft.com/office/drawing/2010/main" val="0"/>
+              </a:ext>
+            </a:extLst>
+          </a:blip>
+          <a:stretch>
+            <a:fillRect/>
+          </a:stretch>
+        </p:blipFill>
+        <p:spPr>
+          <a:xfrm>
+            <a:off x="7279610" y="-13957"/>
+            <a:ext cx="1892300" cy="1892300"/>
+          </a:xfrm>
+          <a:prstGeom prst="rect">
+            <a:avLst/>
+          </a:prstGeom>
+        </p:spPr>
+      </p:pic>
     </p:spTree>
     <p:extLst>
       <p:ext uri="{BB962C8B-B14F-4D97-AF65-F5344CB8AC3E}">
-        <p14:creationId xmlns:p14="http://schemas.microsoft.com/office/powerpoint/2010/main" val="3115380877"/>
+        <p14:creationId xmlns:p14="http://schemas.microsoft.com/office/powerpoint/2010/main" val="2087690698"/>
       </p:ext>
     </p:extLst>
   </p:cSld>

--- a/SussmanCourse.ProbProgPresentation.pptx
+++ b/SussmanCourse.ProbProgPresentation.pptx
@@ -11,9 +11,11 @@
     <p:sldId id="260" r:id="rId5"/>
     <p:sldId id="266" r:id="rId6"/>
     <p:sldId id="269" r:id="rId7"/>
-    <p:sldId id="270" r:id="rId8"/>
-    <p:sldId id="271" r:id="rId9"/>
-    <p:sldId id="272" r:id="rId10"/>
+    <p:sldId id="273" r:id="rId8"/>
+    <p:sldId id="274" r:id="rId9"/>
+    <p:sldId id="270" r:id="rId10"/>
+    <p:sldId id="271" r:id="rId11"/>
+    <p:sldId id="272" r:id="rId12"/>
   </p:sldIdLst>
   <p:sldSz cx="9144000" cy="6858000" type="screen4x3"/>
   <p:notesSz cx="6858000" cy="9144000"/>
@@ -3165,6 +3167,237 @@
     <p:extLst>
       <p:ext uri="{BB962C8B-B14F-4D97-AF65-F5344CB8AC3E}">
         <p14:creationId xmlns:p14="http://schemas.microsoft.com/office/powerpoint/2010/main" val="708198608"/>
+      </p:ext>
+    </p:extLst>
+  </p:cSld>
+  <p:clrMapOvr>
+    <a:masterClrMapping/>
+  </p:clrMapOvr>
+</p:sld>
+</file>
+
+<file path=ppt/slides/slide10.xml><?xml version="1.0" encoding="utf-8"?>
+<p:sld xmlns:a="http://schemas.openxmlformats.org/drawingml/2006/main" xmlns:r="http://schemas.openxmlformats.org/officeDocument/2006/relationships" xmlns:p="http://schemas.openxmlformats.org/presentationml/2006/main">
+  <p:cSld>
+    <p:spTree>
+      <p:nvGrpSpPr>
+        <p:cNvPr id="1" name=""/>
+        <p:cNvGrpSpPr/>
+        <p:nvPr/>
+      </p:nvGrpSpPr>
+      <p:grpSpPr>
+        <a:xfrm>
+          <a:off x="0" y="0"/>
+          <a:ext cx="0" cy="0"/>
+          <a:chOff x="0" y="0"/>
+          <a:chExt cx="0" cy="0"/>
+        </a:xfrm>
+      </p:grpSpPr>
+      <p:sp>
+        <p:nvSpPr>
+          <p:cNvPr id="2" name="Title 1"/>
+          <p:cNvSpPr>
+            <a:spLocks noGrp="1"/>
+          </p:cNvSpPr>
+          <p:nvPr>
+            <p:ph type="title"/>
+          </p:nvPr>
+        </p:nvSpPr>
+        <p:spPr/>
+        <p:txBody>
+          <a:bodyPr/>
+          <a:lstStyle/>
+          <a:p>
+            <a:r>
+              <a:rPr lang="en-US" dirty="0" smtClean="0"/>
+              <a:t>API</a:t>
+            </a:r>
+            <a:endParaRPr lang="en-US" dirty="0"/>
+          </a:p>
+        </p:txBody>
+      </p:sp>
+      <p:pic>
+        <p:nvPicPr>
+          <p:cNvPr id="6" name="Picture 5" descr="Screen Shot 2013-05-08 at 7.06.04 AM.png"/>
+          <p:cNvPicPr>
+            <a:picLocks noChangeAspect="1"/>
+          </p:cNvPicPr>
+          <p:nvPr/>
+        </p:nvPicPr>
+        <p:blipFill>
+          <a:blip r:embed="rId2">
+            <a:extLst>
+              <a:ext uri="{28A0092B-C50C-407E-A947-70E740481C1C}">
+                <a14:useLocalDpi xmlns:a14="http://schemas.microsoft.com/office/drawing/2010/main" val="0"/>
+              </a:ext>
+            </a:extLst>
+          </a:blip>
+          <a:stretch>
+            <a:fillRect/>
+          </a:stretch>
+        </p:blipFill>
+        <p:spPr>
+          <a:xfrm>
+            <a:off x="231054" y="1730637"/>
+            <a:ext cx="8681892" cy="2735524"/>
+          </a:xfrm>
+          <a:prstGeom prst="rect">
+            <a:avLst/>
+          </a:prstGeom>
+        </p:spPr>
+      </p:pic>
+    </p:spTree>
+    <p:extLst>
+      <p:ext uri="{BB962C8B-B14F-4D97-AF65-F5344CB8AC3E}">
+        <p14:creationId xmlns:p14="http://schemas.microsoft.com/office/powerpoint/2010/main" val="3976213666"/>
+      </p:ext>
+    </p:extLst>
+  </p:cSld>
+  <p:clrMapOvr>
+    <a:masterClrMapping/>
+  </p:clrMapOvr>
+</p:sld>
+</file>
+
+<file path=ppt/slides/slide11.xml><?xml version="1.0" encoding="utf-8"?>
+<p:sld xmlns:a="http://schemas.openxmlformats.org/drawingml/2006/main" xmlns:r="http://schemas.openxmlformats.org/officeDocument/2006/relationships" xmlns:p="http://schemas.openxmlformats.org/presentationml/2006/main">
+  <p:cSld>
+    <p:spTree>
+      <p:nvGrpSpPr>
+        <p:cNvPr id="1" name=""/>
+        <p:cNvGrpSpPr/>
+        <p:nvPr/>
+      </p:nvGrpSpPr>
+      <p:grpSpPr>
+        <a:xfrm>
+          <a:off x="0" y="0"/>
+          <a:ext cx="0" cy="0"/>
+          <a:chOff x="0" y="0"/>
+          <a:chExt cx="0" cy="0"/>
+        </a:xfrm>
+      </p:grpSpPr>
+      <p:sp>
+        <p:nvSpPr>
+          <p:cNvPr id="2" name="Title 1"/>
+          <p:cNvSpPr>
+            <a:spLocks noGrp="1"/>
+          </p:cNvSpPr>
+          <p:nvPr>
+            <p:ph type="title"/>
+          </p:nvPr>
+        </p:nvSpPr>
+        <p:spPr/>
+        <p:txBody>
+          <a:bodyPr/>
+          <a:lstStyle/>
+          <a:p>
+            <a:r>
+              <a:rPr lang="en-US" dirty="0" smtClean="0"/>
+              <a:t>Summary</a:t>
+            </a:r>
+            <a:endParaRPr lang="en-US" dirty="0"/>
+          </a:p>
+        </p:txBody>
+      </p:sp>
+      <p:sp>
+        <p:nvSpPr>
+          <p:cNvPr id="3" name="Content Placeholder 2"/>
+          <p:cNvSpPr>
+            <a:spLocks noGrp="1"/>
+          </p:cNvSpPr>
+          <p:nvPr>
+            <p:ph idx="1"/>
+          </p:nvPr>
+        </p:nvSpPr>
+        <p:spPr/>
+        <p:txBody>
+          <a:bodyPr/>
+          <a:lstStyle/>
+          <a:p>
+            <a:r>
+              <a:rPr lang="en-US" dirty="0" smtClean="0"/>
+              <a:t>Probabilistic programming without specialized interpreter</a:t>
+            </a:r>
+          </a:p>
+          <a:p>
+            <a:pPr lvl="1"/>
+            <a:r>
+              <a:rPr lang="en-US" dirty="0" smtClean="0"/>
+              <a:t>MH system in a few dozen lines</a:t>
+            </a:r>
+          </a:p>
+          <a:p>
+            <a:pPr lvl="1"/>
+            <a:r>
+              <a:rPr lang="en-US" dirty="0" smtClean="0"/>
+              <a:t>User writes regular Scheme code</a:t>
+            </a:r>
+          </a:p>
+          <a:p>
+            <a:pPr lvl="1"/>
+            <a:r>
+              <a:rPr lang="en-US" dirty="0" smtClean="0"/>
+              <a:t>Fully </a:t>
+            </a:r>
+            <a:r>
+              <a:rPr lang="en-US" dirty="0" err="1" smtClean="0"/>
+              <a:t>compilable</a:t>
+            </a:r>
+            <a:r>
+              <a:rPr lang="en-US" dirty="0" smtClean="0"/>
+              <a:t> (incl. user code)</a:t>
+            </a:r>
+          </a:p>
+          <a:p>
+            <a:r>
+              <a:rPr lang="en-US" dirty="0" smtClean="0"/>
+              <a:t>Extensible abstractions</a:t>
+            </a:r>
+          </a:p>
+          <a:p>
+            <a:pPr lvl="1"/>
+            <a:r>
+              <a:rPr lang="en-US" dirty="0" smtClean="0"/>
+              <a:t>MH fallback</a:t>
+            </a:r>
+            <a:endParaRPr lang="en-US" dirty="0"/>
+          </a:p>
+        </p:txBody>
+      </p:sp>
+      <p:pic>
+        <p:nvPicPr>
+          <p:cNvPr id="4" name="Picture 3" descr="forkme_right_red_aa0000.png"/>
+          <p:cNvPicPr>
+            <a:picLocks noChangeAspect="1"/>
+          </p:cNvPicPr>
+          <p:nvPr/>
+        </p:nvPicPr>
+        <p:blipFill>
+          <a:blip r:embed="rId2">
+            <a:extLst>
+              <a:ext uri="{28A0092B-C50C-407E-A947-70E740481C1C}">
+                <a14:useLocalDpi xmlns:a14="http://schemas.microsoft.com/office/drawing/2010/main" val="0"/>
+              </a:ext>
+            </a:extLst>
+          </a:blip>
+          <a:stretch>
+            <a:fillRect/>
+          </a:stretch>
+        </p:blipFill>
+        <p:spPr>
+          <a:xfrm>
+            <a:off x="7279610" y="-13957"/>
+            <a:ext cx="1892300" cy="1892300"/>
+          </a:xfrm>
+          <a:prstGeom prst="rect">
+            <a:avLst/>
+          </a:prstGeom>
+        </p:spPr>
+      </p:pic>
+    </p:spTree>
+    <p:extLst>
+      <p:ext uri="{BB962C8B-B14F-4D97-AF65-F5344CB8AC3E}">
+        <p14:creationId xmlns:p14="http://schemas.microsoft.com/office/powerpoint/2010/main" val="2087690698"/>
       </p:ext>
     </p:extLst>
   </p:cSld>
@@ -4831,7 +5064,7 @@
 </file>
 
 <file path=ppt/slides/slide7.xml><?xml version="1.0" encoding="utf-8"?>
-<p:sld xmlns:a="http://schemas.openxmlformats.org/drawingml/2006/main" xmlns:r="http://schemas.openxmlformats.org/officeDocument/2006/relationships" xmlns:p="http://schemas.openxmlformats.org/presentationml/2006/main">
+<p:sld xmlns:a="http://schemas.openxmlformats.org/drawingml/2006/main" xmlns:r="http://schemas.openxmlformats.org/officeDocument/2006/relationships" xmlns:p="http://schemas.openxmlformats.org/presentationml/2006/main" show="0">
   <p:cSld>
     <p:spTree>
       <p:nvGrpSpPr>
@@ -4847,163 +5080,9 @@
           <a:chExt cx="0" cy="0"/>
         </a:xfrm>
       </p:grpSpPr>
-      <p:sp>
-        <p:nvSpPr>
-          <p:cNvPr id="2" name="Title 1"/>
-          <p:cNvSpPr>
-            <a:spLocks noGrp="1"/>
-          </p:cNvSpPr>
-          <p:nvPr>
-            <p:ph type="title"/>
-          </p:nvPr>
-        </p:nvSpPr>
-        <p:spPr/>
-        <p:txBody>
-          <a:bodyPr>
-            <a:normAutofit/>
-          </a:bodyPr>
-          <a:lstStyle/>
-          <a:p>
-            <a:r>
-              <a:rPr lang="en-US" dirty="0" smtClean="0"/>
-              <a:t>Extending to Exploit Structure</a:t>
-            </a:r>
-            <a:endParaRPr lang="en-US" dirty="0"/>
-          </a:p>
-        </p:txBody>
-      </p:sp>
-      <p:sp>
-        <p:nvSpPr>
-          <p:cNvPr id="3" name="Content Placeholder 2"/>
-          <p:cNvSpPr>
-            <a:spLocks noGrp="1"/>
-          </p:cNvSpPr>
-          <p:nvPr>
-            <p:ph idx="1"/>
-          </p:nvPr>
-        </p:nvSpPr>
-        <p:spPr/>
-        <p:txBody>
-          <a:bodyPr/>
-          <a:lstStyle/>
-          <a:p>
-            <a:r>
-              <a:rPr lang="en-US" dirty="0" smtClean="0"/>
-              <a:t>Big idea: </a:t>
-            </a:r>
-            <a:r>
-              <a:rPr lang="en-US" b="1" dirty="0" smtClean="0"/>
-              <a:t>lazy</a:t>
-            </a:r>
-            <a:r>
-              <a:rPr lang="en-US" dirty="0" smtClean="0"/>
-              <a:t> sampling and </a:t>
-            </a:r>
-            <a:r>
-              <a:rPr lang="en-US" b="1" dirty="0" smtClean="0"/>
-              <a:t>generic operators</a:t>
-            </a:r>
-            <a:endParaRPr lang="en-US" dirty="0" smtClean="0"/>
-          </a:p>
-          <a:p>
-            <a:pPr lvl="1"/>
-            <a:r>
-              <a:rPr lang="en-US" dirty="0" smtClean="0"/>
-              <a:t>Box random values</a:t>
-            </a:r>
-          </a:p>
-          <a:p>
-            <a:pPr lvl="1"/>
-            <a:r>
-              <a:rPr lang="en-US" dirty="0" smtClean="0"/>
-              <a:t>Ex.: for Gaussians, extend + and * to prevent </a:t>
-            </a:r>
-            <a:r>
-              <a:rPr lang="en-US" b="1" dirty="0" smtClean="0"/>
-              <a:t>sample collapse</a:t>
-            </a:r>
-            <a:endParaRPr lang="en-US" dirty="0" smtClean="0"/>
-          </a:p>
-          <a:p>
-            <a:pPr lvl="1"/>
-            <a:r>
-              <a:rPr lang="en-US" dirty="0" smtClean="0"/>
-              <a:t>API to add inference for </a:t>
-            </a:r>
-            <a:r>
-              <a:rPr lang="en-US" dirty="0" err="1" smtClean="0"/>
-              <a:t>uncollapsed</a:t>
-            </a:r>
-            <a:r>
-              <a:rPr lang="en-US" dirty="0" smtClean="0"/>
-              <a:t> distributions</a:t>
-            </a:r>
-          </a:p>
-          <a:p>
-            <a:pPr lvl="1"/>
-            <a:r>
-              <a:rPr lang="en-US" dirty="0" smtClean="0"/>
-              <a:t>Collapsed samples fall back to MH</a:t>
-            </a:r>
-          </a:p>
-        </p:txBody>
-      </p:sp>
-    </p:spTree>
-    <p:extLst>
-      <p:ext uri="{BB962C8B-B14F-4D97-AF65-F5344CB8AC3E}">
-        <p14:creationId xmlns:p14="http://schemas.microsoft.com/office/powerpoint/2010/main" val="2869868709"/>
-      </p:ext>
-    </p:extLst>
-  </p:cSld>
-  <p:clrMapOvr>
-    <a:masterClrMapping/>
-  </p:clrMapOvr>
-</p:sld>
-</file>
-
-<file path=ppt/slides/slide8.xml><?xml version="1.0" encoding="utf-8"?>
-<p:sld xmlns:a="http://schemas.openxmlformats.org/drawingml/2006/main" xmlns:r="http://schemas.openxmlformats.org/officeDocument/2006/relationships" xmlns:p="http://schemas.openxmlformats.org/presentationml/2006/main">
-  <p:cSld>
-    <p:spTree>
-      <p:nvGrpSpPr>
-        <p:cNvPr id="1" name=""/>
-        <p:cNvGrpSpPr/>
-        <p:nvPr/>
-      </p:nvGrpSpPr>
-      <p:grpSpPr>
-        <a:xfrm>
-          <a:off x="0" y="0"/>
-          <a:ext cx="0" cy="0"/>
-          <a:chOff x="0" y="0"/>
-          <a:chExt cx="0" cy="0"/>
-        </a:xfrm>
-      </p:grpSpPr>
-      <p:sp>
-        <p:nvSpPr>
-          <p:cNvPr id="2" name="Title 1"/>
-          <p:cNvSpPr>
-            <a:spLocks noGrp="1"/>
-          </p:cNvSpPr>
-          <p:nvPr>
-            <p:ph type="title"/>
-          </p:nvPr>
-        </p:nvSpPr>
-        <p:spPr/>
-        <p:txBody>
-          <a:bodyPr/>
-          <a:lstStyle/>
-          <a:p>
-            <a:r>
-              <a:rPr lang="en-US" dirty="0" smtClean="0"/>
-              <a:t>API</a:t>
-            </a:r>
-            <a:endParaRPr lang="en-US" dirty="0"/>
-          </a:p>
-        </p:txBody>
-      </p:sp>
       <p:pic>
         <p:nvPicPr>
-          <p:cNvPr id="6" name="Picture 5" descr="Screen Shot 2013-05-08 at 7.06.04 AM.png"/>
+          <p:cNvPr id="4" name="Picture 3" descr="Screen Shot 2013-05-08 at 7.15.03 AM.png"/>
           <p:cNvPicPr>
             <a:picLocks noChangeAspect="1"/>
           </p:cNvPicPr>
@@ -5023,8 +5102,38 @@
         </p:blipFill>
         <p:spPr>
           <a:xfrm>
-            <a:off x="231054" y="1730637"/>
-            <a:ext cx="8681892" cy="2735524"/>
+            <a:off x="0" y="4321554"/>
+            <a:ext cx="9144000" cy="1601165"/>
+          </a:xfrm>
+          <a:prstGeom prst="rect">
+            <a:avLst/>
+          </a:prstGeom>
+        </p:spPr>
+      </p:pic>
+      <p:pic>
+        <p:nvPicPr>
+          <p:cNvPr id="5" name="Picture 4" descr="Screen Shot 2013-05-08 at 7.16.00 AM.png"/>
+          <p:cNvPicPr>
+            <a:picLocks noChangeAspect="1"/>
+          </p:cNvPicPr>
+          <p:nvPr/>
+        </p:nvPicPr>
+        <p:blipFill>
+          <a:blip r:embed="rId3">
+            <a:extLst>
+              <a:ext uri="{28A0092B-C50C-407E-A947-70E740481C1C}">
+                <a14:useLocalDpi xmlns:a14="http://schemas.microsoft.com/office/drawing/2010/main" val="0"/>
+              </a:ext>
+            </a:extLst>
+          </a:blip>
+          <a:stretch>
+            <a:fillRect/>
+          </a:stretch>
+        </p:blipFill>
+        <p:spPr>
+          <a:xfrm>
+            <a:off x="334920" y="1135594"/>
+            <a:ext cx="8648700" cy="2641600"/>
           </a:xfrm>
           <a:prstGeom prst="rect">
             <a:avLst/>
@@ -5034,13 +5143,89 @@
     </p:spTree>
     <p:extLst>
       <p:ext uri="{BB962C8B-B14F-4D97-AF65-F5344CB8AC3E}">
-        <p14:creationId xmlns:p14="http://schemas.microsoft.com/office/powerpoint/2010/main" val="3976213666"/>
+        <p14:creationId xmlns:p14="http://schemas.microsoft.com/office/powerpoint/2010/main" val="4175996680"/>
       </p:ext>
     </p:extLst>
   </p:cSld>
   <p:clrMapOvr>
     <a:masterClrMapping/>
   </p:clrMapOvr>
+  <mc:AlternateContent xmlns:mc="http://schemas.openxmlformats.org/markup-compatibility/2006">
+    <mc:Choice xmlns:p14="http://schemas.microsoft.com/office/powerpoint/2010/main" Requires="p14">
+      <p:transition spd="slow" p14:dur="2000"/>
+    </mc:Choice>
+    <mc:Fallback>
+      <p:transition xmlns:p14="http://schemas.microsoft.com/office/powerpoint/2010/main" spd="slow"/>
+    </mc:Fallback>
+  </mc:AlternateContent>
+</p:sld>
+</file>
+
+<file path=ppt/slides/slide8.xml><?xml version="1.0" encoding="utf-8"?>
+<p:sld xmlns:a="http://schemas.openxmlformats.org/drawingml/2006/main" xmlns:r="http://schemas.openxmlformats.org/officeDocument/2006/relationships" xmlns:p="http://schemas.openxmlformats.org/presentationml/2006/main" show="0">
+  <p:cSld>
+    <p:spTree>
+      <p:nvGrpSpPr>
+        <p:cNvPr id="1" name=""/>
+        <p:cNvGrpSpPr/>
+        <p:nvPr/>
+      </p:nvGrpSpPr>
+      <p:grpSpPr>
+        <a:xfrm>
+          <a:off x="0" y="0"/>
+          <a:ext cx="0" cy="0"/>
+          <a:chOff x="0" y="0"/>
+          <a:chExt cx="0" cy="0"/>
+        </a:xfrm>
+      </p:grpSpPr>
+      <p:pic>
+        <p:nvPicPr>
+          <p:cNvPr id="4" name="Picture 3" descr="Screen Shot 2013-05-08 at 7.17.56 AM.png"/>
+          <p:cNvPicPr>
+            <a:picLocks noChangeAspect="1"/>
+          </p:cNvPicPr>
+          <p:nvPr/>
+        </p:nvPicPr>
+        <p:blipFill>
+          <a:blip r:embed="rId2">
+            <a:extLst>
+              <a:ext uri="{28A0092B-C50C-407E-A947-70E740481C1C}">
+                <a14:useLocalDpi xmlns:a14="http://schemas.microsoft.com/office/drawing/2010/main" val="0"/>
+              </a:ext>
+            </a:extLst>
+          </a:blip>
+          <a:stretch>
+            <a:fillRect/>
+          </a:stretch>
+        </p:blipFill>
+        <p:spPr>
+          <a:xfrm>
+            <a:off x="0" y="1738928"/>
+            <a:ext cx="9144000" cy="2607288"/>
+          </a:xfrm>
+          <a:prstGeom prst="rect">
+            <a:avLst/>
+          </a:prstGeom>
+        </p:spPr>
+      </p:pic>
+    </p:spTree>
+    <p:extLst>
+      <p:ext uri="{BB962C8B-B14F-4D97-AF65-F5344CB8AC3E}">
+        <p14:creationId xmlns:p14="http://schemas.microsoft.com/office/powerpoint/2010/main" val="3506860243"/>
+      </p:ext>
+    </p:extLst>
+  </p:cSld>
+  <p:clrMapOvr>
+    <a:masterClrMapping/>
+  </p:clrMapOvr>
+  <mc:AlternateContent xmlns:mc="http://schemas.openxmlformats.org/markup-compatibility/2006">
+    <mc:Choice xmlns:p14="http://schemas.microsoft.com/office/powerpoint/2010/main" Requires="p14">
+      <p:transition spd="slow" p14:dur="2000"/>
+    </mc:Choice>
+    <mc:Fallback>
+      <p:transition xmlns:p14="http://schemas.microsoft.com/office/powerpoint/2010/main" spd="slow"/>
+    </mc:Fallback>
+  </mc:AlternateContent>
 </p:sld>
 </file>
 
@@ -5073,12 +5258,14 @@
         </p:nvSpPr>
         <p:spPr/>
         <p:txBody>
-          <a:bodyPr/>
+          <a:bodyPr>
+            <a:normAutofit/>
+          </a:bodyPr>
           <a:lstStyle/>
           <a:p>
             <a:r>
               <a:rPr lang="en-US" dirty="0" smtClean="0"/>
-              <a:t>Summary</a:t>
+              <a:t>Extending to Exploit Structure</a:t>
             </a:r>
             <a:endParaRPr lang="en-US" dirty="0"/>
           </a:p>
@@ -5101,88 +5288,69 @@
           <a:p>
             <a:r>
               <a:rPr lang="en-US" dirty="0" smtClean="0"/>
-              <a:t>Probabilistic programming without specialized interpreter</a:t>
-            </a:r>
+              <a:t>Big idea: </a:t>
+            </a:r>
+            <a:r>
+              <a:rPr lang="en-US" b="1" dirty="0" smtClean="0"/>
+              <a:t>lazy</a:t>
+            </a:r>
+            <a:r>
+              <a:rPr lang="en-US" dirty="0" smtClean="0"/>
+              <a:t> sampling and </a:t>
+            </a:r>
+            <a:r>
+              <a:rPr lang="en-US" b="1" dirty="0" smtClean="0"/>
+              <a:t>generic operators</a:t>
+            </a:r>
+            <a:endParaRPr lang="en-US" dirty="0" smtClean="0"/>
           </a:p>
           <a:p>
             <a:pPr lvl="1"/>
             <a:r>
               <a:rPr lang="en-US" dirty="0" smtClean="0"/>
-              <a:t>MH system in a few dozen lines</a:t>
+              <a:t>Box random values</a:t>
             </a:r>
           </a:p>
           <a:p>
             <a:pPr lvl="1"/>
             <a:r>
               <a:rPr lang="en-US" dirty="0" smtClean="0"/>
-              <a:t>User writes regular Scheme code</a:t>
-            </a:r>
+              <a:t>Ex.: for Gaussians, extend + and * to prevent </a:t>
+            </a:r>
+            <a:r>
+              <a:rPr lang="en-US" b="1" dirty="0" smtClean="0"/>
+              <a:t>sample collapse</a:t>
+            </a:r>
+            <a:endParaRPr lang="en-US" dirty="0" smtClean="0"/>
           </a:p>
           <a:p>
             <a:pPr lvl="1"/>
             <a:r>
               <a:rPr lang="en-US" dirty="0" smtClean="0"/>
-              <a:t>Fully </a:t>
+              <a:t>API to add inference for </a:t>
             </a:r>
             <a:r>
               <a:rPr lang="en-US" dirty="0" err="1" smtClean="0"/>
-              <a:t>compilable</a:t>
+              <a:t>uncollapsed</a:t>
             </a:r>
             <a:r>
               <a:rPr lang="en-US" dirty="0" smtClean="0"/>
-              <a:t> (incl. user code)</a:t>
-            </a:r>
-          </a:p>
-          <a:p>
+              <a:t> distributions</a:t>
+            </a:r>
+          </a:p>
+          <a:p>
+            <a:pPr lvl="1"/>
             <a:r>
               <a:rPr lang="en-US" dirty="0" smtClean="0"/>
-              <a:t>Extensible abstractions</a:t>
-            </a:r>
-          </a:p>
-          <a:p>
-            <a:pPr lvl="1"/>
-            <a:r>
-              <a:rPr lang="en-US" dirty="0" smtClean="0"/>
-              <a:t>MH fallback</a:t>
-            </a:r>
-            <a:endParaRPr lang="en-US" dirty="0"/>
-          </a:p>
-        </p:txBody>
-      </p:sp>
-      <p:pic>
-        <p:nvPicPr>
-          <p:cNvPr id="4" name="Picture 3" descr="forkme_right_red_aa0000.png"/>
-          <p:cNvPicPr>
-            <a:picLocks noChangeAspect="1"/>
-          </p:cNvPicPr>
-          <p:nvPr/>
-        </p:nvPicPr>
-        <p:blipFill>
-          <a:blip r:embed="rId2">
-            <a:extLst>
-              <a:ext uri="{28A0092B-C50C-407E-A947-70E740481C1C}">
-                <a14:useLocalDpi xmlns:a14="http://schemas.microsoft.com/office/drawing/2010/main" val="0"/>
-              </a:ext>
-            </a:extLst>
-          </a:blip>
-          <a:stretch>
-            <a:fillRect/>
-          </a:stretch>
-        </p:blipFill>
-        <p:spPr>
-          <a:xfrm>
-            <a:off x="7279610" y="-13957"/>
-            <a:ext cx="1892300" cy="1892300"/>
-          </a:xfrm>
-          <a:prstGeom prst="rect">
-            <a:avLst/>
-          </a:prstGeom>
-        </p:spPr>
-      </p:pic>
+              <a:t>Collapsed samples fall back to MH</a:t>
+            </a:r>
+          </a:p>
+        </p:txBody>
+      </p:sp>
     </p:spTree>
     <p:extLst>
       <p:ext uri="{BB962C8B-B14F-4D97-AF65-F5344CB8AC3E}">
-        <p14:creationId xmlns:p14="http://schemas.microsoft.com/office/powerpoint/2010/main" val="2087690698"/>
+        <p14:creationId xmlns:p14="http://schemas.microsoft.com/office/powerpoint/2010/main" val="2869868709"/>
       </p:ext>
     </p:extLst>
   </p:cSld>

--- a/SussmanCourse.ProbProgPresentation.pptx
+++ b/SussmanCourse.ProbProgPresentation.pptx
@@ -3311,7 +3311,9 @@
         </p:nvSpPr>
         <p:spPr/>
         <p:txBody>
-          <a:bodyPr/>
+          <a:bodyPr>
+            <a:normAutofit lnSpcReduction="10000"/>
+          </a:bodyPr>
           <a:lstStyle/>
           <a:p>
             <a:r>
@@ -3352,6 +3354,17 @@
             <a:r>
               <a:rPr lang="en-US" dirty="0" smtClean="0"/>
               <a:t>Extensible abstractions</a:t>
+            </a:r>
+          </a:p>
+          <a:p>
+            <a:pPr lvl="1"/>
+            <a:r>
+              <a:rPr lang="en-US" dirty="0" smtClean="0"/>
+              <a:t>Extend with your favorite distributions </a:t>
+            </a:r>
+            <a:r>
+              <a:rPr lang="en-US" smtClean="0"/>
+              <a:t>or algorithms!</a:t>
             </a:r>
           </a:p>
           <a:p>

--- a/SussmanCourse.ProbProgPresentation.pptx
+++ b/SussmanCourse.ProbProgPresentation.pptx
@@ -3122,7 +3122,22 @@
           <a:p>
             <a:r>
               <a:rPr lang="en-US" dirty="0" smtClean="0"/>
-              <a:t>Extensible Probabilistic Programming</a:t>
+              <a:t>Extensible </a:t>
+            </a:r>
+            <a:r>
+              <a:rPr lang="en-US" dirty="0" smtClean="0"/>
+              <a:t/>
+            </a:r>
+            <a:br>
+              <a:rPr lang="en-US" dirty="0" smtClean="0"/>
+            </a:br>
+            <a:r>
+              <a:rPr lang="en-US" dirty="0" smtClean="0"/>
+              <a:t>Probabilistic </a:t>
+            </a:r>
+            <a:r>
+              <a:rPr lang="en-US" dirty="0" smtClean="0"/>
+              <a:t>Programming</a:t>
             </a:r>
             <a:endParaRPr lang="en-US" dirty="0"/>
           </a:p>
@@ -4705,15 +4720,7 @@
           <a:p>
             <a:r>
               <a:rPr lang="en-US" dirty="0" smtClean="0"/>
-              <a:t>Small </a:t>
-            </a:r>
-            <a:r>
-              <a:rPr lang="en-US" dirty="0" err="1" smtClean="0"/>
-              <a:t>treewidth</a:t>
-            </a:r>
-            <a:r>
-              <a:rPr lang="en-US" dirty="0" smtClean="0"/>
-              <a:t> graphical models</a:t>
+              <a:t>Small treewidth graphical models</a:t>
             </a:r>
             <a:endParaRPr lang="en-US" dirty="0"/>
           </a:p>
@@ -4797,11 +4804,7 @@
           <a:p>
             <a:r>
               <a:rPr lang="en-US" sz="2400" dirty="0" smtClean="0"/>
-              <a:t>Extensions to exploit </a:t>
-            </a:r>
-            <a:r>
-              <a:rPr lang="en-US" sz="2400" dirty="0" smtClean="0"/>
-              <a:t>structure </a:t>
+              <a:t>Extensions to exploit structure </a:t>
             </a:r>
             <a:endParaRPr lang="en-US" sz="2400" dirty="0"/>
           </a:p>
@@ -5163,11 +5166,11 @@
   <p:clrMapOvr>
     <a:masterClrMapping/>
   </p:clrMapOvr>
-  <mc:AlternateContent xmlns:mc="http://schemas.openxmlformats.org/markup-compatibility/2006">
-    <mc:Choice xmlns:p14="http://schemas.microsoft.com/office/powerpoint/2010/main" Requires="p14">
+  <mc:AlternateContent xmlns:mc="http://schemas.openxmlformats.org/markup-compatibility/2006" xmlns:p14="http://schemas.microsoft.com/office/powerpoint/2010/main">
+    <mc:Choice Requires="p14">
       <p:transition spd="slow" p14:dur="2000"/>
     </mc:Choice>
-    <mc:Fallback>
+    <mc:Fallback xmlns="">
       <p:transition xmlns:p14="http://schemas.microsoft.com/office/powerpoint/2010/main" spd="slow"/>
     </mc:Fallback>
   </mc:AlternateContent>
@@ -5231,11 +5234,11 @@
   <p:clrMapOvr>
     <a:masterClrMapping/>
   </p:clrMapOvr>
-  <mc:AlternateContent xmlns:mc="http://schemas.openxmlformats.org/markup-compatibility/2006">
-    <mc:Choice xmlns:p14="http://schemas.microsoft.com/office/powerpoint/2010/main" Requires="p14">
+  <mc:AlternateContent xmlns:mc="http://schemas.openxmlformats.org/markup-compatibility/2006" xmlns:p14="http://schemas.microsoft.com/office/powerpoint/2010/main">
+    <mc:Choice Requires="p14">
       <p:transition spd="slow" p14:dur="2000"/>
     </mc:Choice>
-    <mc:Fallback>
+    <mc:Fallback xmlns="">
       <p:transition xmlns:p14="http://schemas.microsoft.com/office/powerpoint/2010/main" spd="slow"/>
     </mc:Fallback>
   </mc:AlternateContent>
